--- a/Customer_Churn_Prediction_Presentation.pptx
+++ b/Customer_Churn_Prediction_Presentation.pptx
@@ -318,7 +318,7 @@
           <a:p>
             <a:fld id="{5BCAD085-E8A6-8845-BD4E-CB4CCA059FC4}" type="datetimeFigureOut">
               <a:rPr lang="en-US" smtClean="0"/>
-              <a:t>4/30/2025</a:t>
+              <a:t>5/31/2025</a:t>
             </a:fld>
             <a:endParaRPr lang="en-US"/>
           </a:p>
@@ -486,7 +486,7 @@
           <a:p>
             <a:fld id="{5BCAD085-E8A6-8845-BD4E-CB4CCA059FC4}" type="datetimeFigureOut">
               <a:rPr lang="en-US" smtClean="0"/>
-              <a:t>4/30/2025</a:t>
+              <a:t>5/31/2025</a:t>
             </a:fld>
             <a:endParaRPr lang="en-US"/>
           </a:p>
@@ -664,7 +664,7 @@
           <a:p>
             <a:fld id="{5BCAD085-E8A6-8845-BD4E-CB4CCA059FC4}" type="datetimeFigureOut">
               <a:rPr lang="en-US" smtClean="0"/>
-              <a:t>4/30/2025</a:t>
+              <a:t>5/31/2025</a:t>
             </a:fld>
             <a:endParaRPr lang="en-US"/>
           </a:p>
@@ -832,7 +832,7 @@
           <a:p>
             <a:fld id="{5BCAD085-E8A6-8845-BD4E-CB4CCA059FC4}" type="datetimeFigureOut">
               <a:rPr lang="en-US" smtClean="0"/>
-              <a:t>4/30/2025</a:t>
+              <a:t>5/31/2025</a:t>
             </a:fld>
             <a:endParaRPr lang="en-US"/>
           </a:p>
@@ -1077,7 +1077,7 @@
           <a:p>
             <a:fld id="{5BCAD085-E8A6-8845-BD4E-CB4CCA059FC4}" type="datetimeFigureOut">
               <a:rPr lang="en-US" smtClean="0"/>
-              <a:t>4/30/2025</a:t>
+              <a:t>5/31/2025</a:t>
             </a:fld>
             <a:endParaRPr lang="en-US"/>
           </a:p>
@@ -1362,7 +1362,7 @@
           <a:p>
             <a:fld id="{5BCAD085-E8A6-8845-BD4E-CB4CCA059FC4}" type="datetimeFigureOut">
               <a:rPr lang="en-US" smtClean="0"/>
-              <a:t>4/30/2025</a:t>
+              <a:t>5/31/2025</a:t>
             </a:fld>
             <a:endParaRPr lang="en-US"/>
           </a:p>
@@ -1781,7 +1781,7 @@
           <a:p>
             <a:fld id="{5BCAD085-E8A6-8845-BD4E-CB4CCA059FC4}" type="datetimeFigureOut">
               <a:rPr lang="en-US" smtClean="0"/>
-              <a:t>4/30/2025</a:t>
+              <a:t>5/31/2025</a:t>
             </a:fld>
             <a:endParaRPr lang="en-US"/>
           </a:p>
@@ -1898,7 +1898,7 @@
           <a:p>
             <a:fld id="{5BCAD085-E8A6-8845-BD4E-CB4CCA059FC4}" type="datetimeFigureOut">
               <a:rPr lang="en-US" smtClean="0"/>
-              <a:t>4/30/2025</a:t>
+              <a:t>5/31/2025</a:t>
             </a:fld>
             <a:endParaRPr lang="en-US"/>
           </a:p>
@@ -1993,7 +1993,7 @@
           <a:p>
             <a:fld id="{5BCAD085-E8A6-8845-BD4E-CB4CCA059FC4}" type="datetimeFigureOut">
               <a:rPr lang="en-US" smtClean="0"/>
-              <a:t>4/30/2025</a:t>
+              <a:t>5/31/2025</a:t>
             </a:fld>
             <a:endParaRPr lang="en-US"/>
           </a:p>
@@ -2268,7 +2268,7 @@
           <a:p>
             <a:fld id="{5BCAD085-E8A6-8845-BD4E-CB4CCA059FC4}" type="datetimeFigureOut">
               <a:rPr lang="en-US" smtClean="0"/>
-              <a:t>4/30/2025</a:t>
+              <a:t>5/31/2025</a:t>
             </a:fld>
             <a:endParaRPr lang="en-US"/>
           </a:p>
@@ -2520,7 +2520,7 @@
           <a:p>
             <a:fld id="{5BCAD085-E8A6-8845-BD4E-CB4CCA059FC4}" type="datetimeFigureOut">
               <a:rPr lang="en-US" smtClean="0"/>
-              <a:t>4/30/2025</a:t>
+              <a:t>5/31/2025</a:t>
             </a:fld>
             <a:endParaRPr lang="en-US"/>
           </a:p>
@@ -2761,7 +2761,7 @@
           <a:p>
             <a:fld id="{5BCAD085-E8A6-8845-BD4E-CB4CCA059FC4}" type="datetimeFigureOut">
               <a:rPr lang="en-US" smtClean="0"/>
-              <a:t>4/30/2025</a:t>
+              <a:t>5/31/2025</a:t>
             </a:fld>
             <a:endParaRPr lang="en-US"/>
           </a:p>
@@ -3716,15 +3716,7 @@
             </a:pPr>
             <a:r>
               <a:rPr lang="en-US" sz="2800" dirty="0"/>
-              <a:t>       - Give discounts or loyalty rewards to </a:t>
-            </a:r>
-            <a:r>
-              <a:rPr lang="en-US" sz="2800" dirty="0" err="1"/>
-              <a:t>likel</a:t>
-            </a:r>
-            <a:r>
-              <a:rPr lang="en-US" sz="2800" dirty="0"/>
-              <a:t> churners.  </a:t>
+              <a:t>       - Give discounts or loyalty rewards to churners.  </a:t>
             </a:r>
           </a:p>
           <a:p>
@@ -3751,7 +3743,15 @@
             </a:pPr>
             <a:r>
               <a:rPr lang="en-US" sz="2800" dirty="0"/>
-              <a:t>       - Call or email at-risk users before contract    ends.  </a:t>
+              <a:t>       - Call or email at-risk users before </a:t>
+            </a:r>
+            <a:r>
+              <a:rPr lang="en-US" sz="2800"/>
+              <a:t>contract ends</a:t>
+            </a:r>
+            <a:r>
+              <a:rPr lang="en-US" sz="2800" dirty="0"/>
+              <a:t>.  </a:t>
             </a:r>
           </a:p>
           <a:p>
